--- a/Swings Presentation.pptx
+++ b/Swings Presentation.pptx
@@ -10,12 +10,13 @@
     <p:sldId id="257" r:id="rId4"/>
     <p:sldId id="268" r:id="rId5"/>
     <p:sldId id="258" r:id="rId6"/>
-    <p:sldId id="261" r:id="rId7"/>
-    <p:sldId id="262" r:id="rId8"/>
-    <p:sldId id="263" r:id="rId9"/>
-    <p:sldId id="265" r:id="rId10"/>
-    <p:sldId id="266" r:id="rId11"/>
-    <p:sldId id="267" r:id="rId12"/>
+    <p:sldId id="269" r:id="rId7"/>
+    <p:sldId id="261" r:id="rId8"/>
+    <p:sldId id="262" r:id="rId9"/>
+    <p:sldId id="263" r:id="rId10"/>
+    <p:sldId id="265" r:id="rId11"/>
+    <p:sldId id="266" r:id="rId12"/>
+    <p:sldId id="267" r:id="rId13"/>
   </p:sldIdLst>
   <p:sldSz cx="12192000" cy="6858000"/>
   <p:notesSz cx="6858000" cy="9144000"/>
@@ -1798,55 +1799,6 @@
         </a:p>
       </dgm:t>
     </dgm:pt>
-    <dgm:pt modelId="{1DFF1DA3-43B9-46C5-9F2F-79D3D48E1FD4}">
-      <dgm:prSet phldrT="[Text]" custT="1"/>
-      <dgm:spPr/>
-      <dgm:t>
-        <a:bodyPr/>
-        <a:lstStyle/>
-        <a:p>
-          <a:r>
-            <a:rPr lang="en-US" sz="1600" b="0" cap="none" spc="0" dirty="0">
-              <a:ln w="0"/>
-              <a:solidFill>
-                <a:schemeClr val="accent1"/>
-              </a:solidFill>
-              <a:effectLst>
-                <a:outerShdw blurRad="38100" dist="25400" dir="5400000" algn="ctr" rotWithShape="0">
-                  <a:srgbClr val="6E747A">
-                    <a:alpha val="43000"/>
-                  </a:srgbClr>
-                </a:outerShdw>
-              </a:effectLst>
-              <a:latin typeface="Elephant" panose="02020904090505020303" pitchFamily="18" charset="0"/>
-            </a:rPr>
-            <a:t>Replaces Swings </a:t>
-          </a:r>
-        </a:p>
-      </dgm:t>
-    </dgm:pt>
-    <dgm:pt modelId="{85CAA857-5548-47C0-9A24-73C062926B0D}" type="parTrans" cxnId="{203C3626-BB62-4020-A68F-0A675BF6C63C}">
-      <dgm:prSet/>
-      <dgm:spPr/>
-      <dgm:t>
-        <a:bodyPr/>
-        <a:lstStyle/>
-        <a:p>
-          <a:endParaRPr lang="en-US"/>
-        </a:p>
-      </dgm:t>
-    </dgm:pt>
-    <dgm:pt modelId="{EFFCE58F-9127-41B1-B1BB-6B35D0949BCF}" type="sibTrans" cxnId="{203C3626-BB62-4020-A68F-0A675BF6C63C}">
-      <dgm:prSet/>
-      <dgm:spPr/>
-      <dgm:t>
-        <a:bodyPr/>
-        <a:lstStyle/>
-        <a:p>
-          <a:endParaRPr lang="en-US"/>
-        </a:p>
-      </dgm:t>
-    </dgm:pt>
     <dgm:pt modelId="{F099A513-FF6B-4198-9E9E-D945D091B5A7}">
       <dgm:prSet phldrT="[Text]" custT="1"/>
       <dgm:spPr/>
@@ -2027,15 +1979,15 @@
   <dgm:cxnLst>
     <dgm:cxn modelId="{1D8FFA3D-93FC-4697-8F1E-3ABAA7796C52}" type="presOf" srcId="{DB76B4A4-AE72-4D38-A4B8-112209D2E7E5}" destId="{5423C7F4-8618-446B-A1AF-DCF28FA245F7}" srcOrd="0" destOrd="2" presId="urn:microsoft.com/office/officeart/2005/8/layout/chevron2"/>
     <dgm:cxn modelId="{7D90A9AF-1933-4712-9B00-CEE0471CA95B}" srcId="{B09ED25B-23A3-4AEA-9D39-27ED12431704}" destId="{47B9B6FF-8469-4B09-8822-DC30BECDB4F6}" srcOrd="0" destOrd="0" parTransId="{8812281B-C389-4BFC-B7CE-42B879D18C40}" sibTransId="{C6E52A10-2DF4-468B-B0D4-7D5B32D33133}"/>
-    <dgm:cxn modelId="{1CE513D4-583E-46A6-BDA4-734EBEBFEF9C}" type="presOf" srcId="{C7C16A32-865B-45CF-A91C-34D9D153CBF1}" destId="{9BA40EB0-1F19-443D-857E-69F293FE2E96}" srcOrd="0" destOrd="5" presId="urn:microsoft.com/office/officeart/2005/8/layout/chevron2"/>
+    <dgm:cxn modelId="{1CE513D4-583E-46A6-BDA4-734EBEBFEF9C}" type="presOf" srcId="{C7C16A32-865B-45CF-A91C-34D9D153CBF1}" destId="{9BA40EB0-1F19-443D-857E-69F293FE2E96}" srcOrd="0" destOrd="4" presId="urn:microsoft.com/office/officeart/2005/8/layout/chevron2"/>
     <dgm:cxn modelId="{4A070F11-80D9-48EB-B601-8C5A6A6D9E22}" srcId="{58D02A8E-30A0-4BF1-88C1-3CD2B62002F0}" destId="{4E3387EE-AEC7-48E8-BE93-28761C3C0249}" srcOrd="4" destOrd="0" parTransId="{6C778591-447C-41CB-8FBA-4A9911FC14F1}" sibTransId="{6FFED42C-2CE5-4982-AA9A-D6A28C47C03C}"/>
     <dgm:cxn modelId="{A330B867-84F3-47C6-90D1-8285A41094B3}" srcId="{58D02A8E-30A0-4BF1-88C1-3CD2B62002F0}" destId="{AC12EA96-C7D5-4F4A-8E5B-72A3C77433F6}" srcOrd="3" destOrd="0" parTransId="{24D39AD0-3CE2-45C3-A8B8-E8CB0F5F5A42}" sibTransId="{BDC6327D-FD0C-4D4F-93B3-96A31394F848}"/>
     <dgm:cxn modelId="{70F9F64C-A818-4D20-8D51-B47B98A1AB7C}" srcId="{B09ED25B-23A3-4AEA-9D39-27ED12431704}" destId="{DB76B4A4-AE72-4D38-A4B8-112209D2E7E5}" srcOrd="2" destOrd="0" parTransId="{9895BF59-D341-4C0F-AC42-1A177BDA81C4}" sibTransId="{A15F3524-FA8E-4829-B03E-0F105FBB3324}"/>
-    <dgm:cxn modelId="{93B69007-0F76-4B13-9B1A-678E41E04104}" srcId="{20128694-B43F-4ED8-BD63-45A1A10B40A7}" destId="{5BA241A3-61BB-4AB8-9804-F3F40C06A8EB}" srcOrd="3" destOrd="0" parTransId="{FFDEE6A9-0F8C-4400-A3DA-D9A8FDEF11DD}" sibTransId="{DBA5BB9C-A63C-4F44-BB21-5B247124A241}"/>
+    <dgm:cxn modelId="{93B69007-0F76-4B13-9B1A-678E41E04104}" srcId="{20128694-B43F-4ED8-BD63-45A1A10B40A7}" destId="{5BA241A3-61BB-4AB8-9804-F3F40C06A8EB}" srcOrd="2" destOrd="0" parTransId="{FFDEE6A9-0F8C-4400-A3DA-D9A8FDEF11DD}" sibTransId="{DBA5BB9C-A63C-4F44-BB21-5B247124A241}"/>
     <dgm:cxn modelId="{F196015C-417C-4D23-A9EF-DAAEF7B22447}" srcId="{20128694-B43F-4ED8-BD63-45A1A10B40A7}" destId="{F099A513-FF6B-4198-9E9E-D945D091B5A7}" srcOrd="0" destOrd="0" parTransId="{A580A5F4-0C63-4F18-8993-06A137F1B879}" sibTransId="{0D0ECAF0-1A43-4A76-8782-428DEDA79713}"/>
     <dgm:cxn modelId="{DAEE8405-3418-4C18-8D19-3BDEB833F7E8}" type="presOf" srcId="{3E61089F-DCA4-4840-B085-364608D2B39F}" destId="{D1825005-0033-477F-8CB9-9682248547AC}" srcOrd="0" destOrd="0" presId="urn:microsoft.com/office/officeart/2005/8/layout/chevron2"/>
     <dgm:cxn modelId="{26FD4691-4943-4950-BBBF-A60FE48CF76C}" type="presOf" srcId="{996465E1-4547-46AE-928F-9543AC5CBA5B}" destId="{5423C7F4-8618-446B-A1AF-DCF28FA245F7}" srcOrd="0" destOrd="3" presId="urn:microsoft.com/office/officeart/2005/8/layout/chevron2"/>
-    <dgm:cxn modelId="{FA1F93B9-A498-4B80-A53B-515428776DC8}" srcId="{20128694-B43F-4ED8-BD63-45A1A10B40A7}" destId="{C7C16A32-865B-45CF-A91C-34D9D153CBF1}" srcOrd="5" destOrd="0" parTransId="{9442A2B3-D9E4-45F5-8D50-B924C1A0309F}" sibTransId="{1D490F19-6024-4A50-BF83-056C6038C19C}"/>
+    <dgm:cxn modelId="{FA1F93B9-A498-4B80-A53B-515428776DC8}" srcId="{20128694-B43F-4ED8-BD63-45A1A10B40A7}" destId="{C7C16A32-865B-45CF-A91C-34D9D153CBF1}" srcOrd="4" destOrd="0" parTransId="{9442A2B3-D9E4-45F5-8D50-B924C1A0309F}" sibTransId="{1D490F19-6024-4A50-BF83-056C6038C19C}"/>
     <dgm:cxn modelId="{669807E6-E9FF-4709-844A-C25D7027DF74}" srcId="{58D02A8E-30A0-4BF1-88C1-3CD2B62002F0}" destId="{3E61089F-DCA4-4840-B085-364608D2B39F}" srcOrd="0" destOrd="0" parTransId="{E274C9E4-E4F5-4926-AA42-5951C97EC1E7}" sibTransId="{F2E8787B-CCE4-4C53-9260-9FD0B1E6DC93}"/>
     <dgm:cxn modelId="{C159C4E1-E7A3-441B-A260-228D45326612}" srcId="{C81B2A2B-E578-4551-AFFF-2B9EB21E06C6}" destId="{20128694-B43F-4ED8-BD63-45A1A10B40A7}" srcOrd="2" destOrd="0" parTransId="{F8077C45-4BB5-4828-92F1-144CA41672C4}" sibTransId="{8DFC8112-1401-4DE9-95AD-C9BF9002B18B}"/>
     <dgm:cxn modelId="{EB59EEAF-8DD4-438B-BC94-78099120F7C7}" srcId="{58D02A8E-30A0-4BF1-88C1-3CD2B62002F0}" destId="{E9FE376C-64C6-4AF0-9123-9FA4153027F2}" srcOrd="1" destOrd="0" parTransId="{E2CF7C4B-D484-4A61-8F72-E6DB5B061081}" sibTransId="{19FA7DDD-2200-42AE-8D38-C3083388E7B7}"/>
@@ -2043,15 +1995,14 @@
     <dgm:cxn modelId="{28AABC74-43E4-4059-B378-528C4A5B16A5}" type="presOf" srcId="{1DA18CE6-7CAB-4C71-A226-3C2C015843BF}" destId="{9BA40EB0-1F19-443D-857E-69F293FE2E96}" srcOrd="0" destOrd="1" presId="urn:microsoft.com/office/officeart/2005/8/layout/chevron2"/>
     <dgm:cxn modelId="{87D34755-F6A9-4B5C-88F8-5CC64A7EEAD0}" type="presOf" srcId="{AC12EA96-C7D5-4F4A-8E5B-72A3C77433F6}" destId="{D1825005-0033-477F-8CB9-9682248547AC}" srcOrd="0" destOrd="3" presId="urn:microsoft.com/office/officeart/2005/8/layout/chevron2"/>
     <dgm:cxn modelId="{EB8F0449-9528-408A-9C64-C5F642D39FC6}" srcId="{58D02A8E-30A0-4BF1-88C1-3CD2B62002F0}" destId="{39F2FCC5-E7FB-423B-A38B-A8C4FECE1B4E}" srcOrd="2" destOrd="0" parTransId="{A8E0FF44-D155-4417-A9C8-F96E59A37A35}" sibTransId="{36E48D43-6AF9-4A0A-A63D-9AE97DC5971F}"/>
-    <dgm:cxn modelId="{336E4A1B-1C88-4232-B53E-40467199267B}" srcId="{20128694-B43F-4ED8-BD63-45A1A10B40A7}" destId="{529B045B-F097-4404-B4B2-C7EF6331218C}" srcOrd="4" destOrd="0" parTransId="{D56CF083-500F-4671-816A-E5F5BE6936DA}" sibTransId="{8524A1C6-5C76-4C18-9417-E7424C22E754}"/>
+    <dgm:cxn modelId="{336E4A1B-1C88-4232-B53E-40467199267B}" srcId="{20128694-B43F-4ED8-BD63-45A1A10B40A7}" destId="{529B045B-F097-4404-B4B2-C7EF6331218C}" srcOrd="3" destOrd="0" parTransId="{D56CF083-500F-4671-816A-E5F5BE6936DA}" sibTransId="{8524A1C6-5C76-4C18-9417-E7424C22E754}"/>
     <dgm:cxn modelId="{B584552C-5D4C-469B-9311-3C1B70FA6470}" type="presOf" srcId="{B09ED25B-23A3-4AEA-9D39-27ED12431704}" destId="{10B9AAE3-D8B9-4491-94E3-DDB04846C3B4}" srcOrd="0" destOrd="0" presId="urn:microsoft.com/office/officeart/2005/8/layout/chevron2"/>
-    <dgm:cxn modelId="{7A963D2C-23F6-4A7D-B03D-31E0ACC7911A}" type="presOf" srcId="{5BA241A3-61BB-4AB8-9804-F3F40C06A8EB}" destId="{9BA40EB0-1F19-443D-857E-69F293FE2E96}" srcOrd="0" destOrd="3" presId="urn:microsoft.com/office/officeart/2005/8/layout/chevron2"/>
+    <dgm:cxn modelId="{7A963D2C-23F6-4A7D-B03D-31E0ACC7911A}" type="presOf" srcId="{5BA241A3-61BB-4AB8-9804-F3F40C06A8EB}" destId="{9BA40EB0-1F19-443D-857E-69F293FE2E96}" srcOrd="0" destOrd="2" presId="urn:microsoft.com/office/officeart/2005/8/layout/chevron2"/>
     <dgm:cxn modelId="{67FB37FA-FDB9-4F4D-9760-B9D8EDB6FBA0}" type="presOf" srcId="{39F2FCC5-E7FB-423B-A38B-A8C4FECE1B4E}" destId="{D1825005-0033-477F-8CB9-9682248547AC}" srcOrd="0" destOrd="2" presId="urn:microsoft.com/office/officeart/2005/8/layout/chevron2"/>
     <dgm:cxn modelId="{4DFDFA72-B0FD-4EF9-89E8-950CDB3B146A}" type="presOf" srcId="{77770F58-60B4-488D-A182-6986494ED283}" destId="{D1825005-0033-477F-8CB9-9682248547AC}" srcOrd="0" destOrd="5" presId="urn:microsoft.com/office/officeart/2005/8/layout/chevron2"/>
     <dgm:cxn modelId="{3B2A71E3-7176-46FC-8298-C4C10B0883D6}" srcId="{C81B2A2B-E578-4551-AFFF-2B9EB21E06C6}" destId="{58D02A8E-30A0-4BF1-88C1-3CD2B62002F0}" srcOrd="0" destOrd="0" parTransId="{D3E8DDAD-CEF4-4503-B8C9-2AFEEBE880FD}" sibTransId="{344F093B-BAF1-4B42-9D9E-CE3553CDB14D}"/>
     <dgm:cxn modelId="{C1653A29-9BB3-41D8-8949-DB4F74C0F2EC}" srcId="{B09ED25B-23A3-4AEA-9D39-27ED12431704}" destId="{FD74868B-FA3E-4388-AB61-7C5E82E778EF}" srcOrd="1" destOrd="0" parTransId="{004D6483-7982-48E0-9284-04DC4B4B3A3C}" sibTransId="{745A9A32-A37A-420D-9251-E43269E76F55}"/>
-    <dgm:cxn modelId="{6DFAFCF2-415A-4DDB-B94C-D5510B42B60A}" type="presOf" srcId="{529B045B-F097-4404-B4B2-C7EF6331218C}" destId="{9BA40EB0-1F19-443D-857E-69F293FE2E96}" srcOrd="0" destOrd="4" presId="urn:microsoft.com/office/officeart/2005/8/layout/chevron2"/>
-    <dgm:cxn modelId="{248A8E64-24CA-4B62-A765-9E81A7AF18CB}" type="presOf" srcId="{1DFF1DA3-43B9-46C5-9F2F-79D3D48E1FD4}" destId="{9BA40EB0-1F19-443D-857E-69F293FE2E96}" srcOrd="0" destOrd="2" presId="urn:microsoft.com/office/officeart/2005/8/layout/chevron2"/>
+    <dgm:cxn modelId="{6DFAFCF2-415A-4DDB-B94C-D5510B42B60A}" type="presOf" srcId="{529B045B-F097-4404-B4B2-C7EF6331218C}" destId="{9BA40EB0-1F19-443D-857E-69F293FE2E96}" srcOrd="0" destOrd="3" presId="urn:microsoft.com/office/officeart/2005/8/layout/chevron2"/>
     <dgm:cxn modelId="{0BCAD744-A1E3-47EE-A272-255397678F91}" type="presOf" srcId="{F099A513-FF6B-4198-9E9E-D945D091B5A7}" destId="{9BA40EB0-1F19-443D-857E-69F293FE2E96}" srcOrd="0" destOrd="0" presId="urn:microsoft.com/office/officeart/2005/8/layout/chevron2"/>
     <dgm:cxn modelId="{FDD44DF3-8E04-4980-AC78-D0BA991256E4}" type="presOf" srcId="{47B9B6FF-8469-4B09-8822-DC30BECDB4F6}" destId="{5423C7F4-8618-446B-A1AF-DCF28FA245F7}" srcOrd="0" destOrd="0" presId="urn:microsoft.com/office/officeart/2005/8/layout/chevron2"/>
     <dgm:cxn modelId="{4E56D9D1-8E77-4B70-835C-3D2BA8B6359B}" srcId="{58D02A8E-30A0-4BF1-88C1-3CD2B62002F0}" destId="{77770F58-60B4-488D-A182-6986494ED283}" srcOrd="5" destOrd="0" parTransId="{8526DAC3-4E86-4599-8FDD-D9C4E175EBF1}" sibTransId="{5FC7DF3F-FC6F-4EDB-9FD5-845A5CD592B4}"/>
@@ -2063,7 +2014,6 @@
     <dgm:cxn modelId="{D08797C5-FED0-4C1C-B71E-179870D8BFEB}" srcId="{20128694-B43F-4ED8-BD63-45A1A10B40A7}" destId="{1DA18CE6-7CAB-4C71-A226-3C2C015843BF}" srcOrd="1" destOrd="0" parTransId="{4C573937-814F-4753-B26B-38F179ED06F0}" sibTransId="{C61F47F8-C2A2-44AE-9A7D-E159A9728F29}"/>
     <dgm:cxn modelId="{60F8FE08-8004-4C3F-A94E-28D3D71F22D9}" srcId="{B09ED25B-23A3-4AEA-9D39-27ED12431704}" destId="{996465E1-4547-46AE-928F-9543AC5CBA5B}" srcOrd="3" destOrd="0" parTransId="{2056405C-425A-4568-8B87-B7525315477C}" sibTransId="{829DD88F-9EF6-4D5E-BD9F-9F8A9A477A36}"/>
     <dgm:cxn modelId="{0563CDAE-9570-4F08-954D-2E2BAE8B163E}" type="presOf" srcId="{4E3387EE-AEC7-48E8-BE93-28761C3C0249}" destId="{D1825005-0033-477F-8CB9-9682248547AC}" srcOrd="0" destOrd="4" presId="urn:microsoft.com/office/officeart/2005/8/layout/chevron2"/>
-    <dgm:cxn modelId="{203C3626-BB62-4020-A68F-0A675BF6C63C}" srcId="{20128694-B43F-4ED8-BD63-45A1A10B40A7}" destId="{1DFF1DA3-43B9-46C5-9F2F-79D3D48E1FD4}" srcOrd="2" destOrd="0" parTransId="{85CAA857-5548-47C0-9A24-73C062926B0D}" sibTransId="{EFFCE58F-9127-41B1-B1BB-6B35D0949BCF}"/>
     <dgm:cxn modelId="{99ACDE13-3A0E-4CB8-96EA-025FF29C836B}" type="presParOf" srcId="{80447BEF-636F-4285-85BD-9564DD8B6A51}" destId="{C68B0392-F245-4523-B42B-8D756530C968}" srcOrd="0" destOrd="0" presId="urn:microsoft.com/office/officeart/2005/8/layout/chevron2"/>
     <dgm:cxn modelId="{6C868303-2FAD-4D48-ADB6-BBFE2BA88E89}" type="presParOf" srcId="{C68B0392-F245-4523-B42B-8D756530C968}" destId="{9FA4807F-CB7A-4762-9CE1-143DB1C01EC3}" srcOrd="0" destOrd="0" presId="urn:microsoft.com/office/officeart/2005/8/layout/chevron2"/>
     <dgm:cxn modelId="{4CD4C4F5-61B9-43CD-9EA5-B16827B0C242}" type="presParOf" srcId="{C68B0392-F245-4523-B42B-8D756530C968}" destId="{D1825005-0033-477F-8CB9-9682248547AC}" srcOrd="1" destOrd="0" presId="urn:microsoft.com/office/officeart/2005/8/layout/chevron2"/>
@@ -2976,37 +2926,6 @@
               </a:effectLst>
               <a:latin typeface="Elephant" panose="02020904090505020303" pitchFamily="18" charset="0"/>
             </a:rPr>
-            <a:t>Replaces Swings </a:t>
-          </a:r>
-        </a:p>
-        <a:p>
-          <a:pPr marL="171450" lvl="1" indent="-171450" algn="l" defTabSz="711200">
-            <a:lnSpc>
-              <a:spcPct val="90000"/>
-            </a:lnSpc>
-            <a:spcBef>
-              <a:spcPct val="0"/>
-            </a:spcBef>
-            <a:spcAft>
-              <a:spcPct val="15000"/>
-            </a:spcAft>
-            <a:buChar char="••"/>
-          </a:pPr>
-          <a:r>
-            <a:rPr lang="en-US" sz="1600" b="0" kern="1200" cap="none" spc="0" dirty="0">
-              <a:ln w="0"/>
-              <a:solidFill>
-                <a:schemeClr val="accent1"/>
-              </a:solidFill>
-              <a:effectLst>
-                <a:outerShdw blurRad="38100" dist="25400" dir="5400000" algn="ctr" rotWithShape="0">
-                  <a:srgbClr val="6E747A">
-                    <a:alpha val="43000"/>
-                  </a:srgbClr>
-                </a:outerShdw>
-              </a:effectLst>
-              <a:latin typeface="Elephant" panose="02020904090505020303" pitchFamily="18" charset="0"/>
-            </a:rPr>
             <a:t>Includes Animations</a:t>
           </a:r>
         </a:p>
@@ -10717,6 +10636,280 @@
           <p:cNvPr id="4" name="Rectangle 3">
             <a:extLst>
               <a:ext uri="{FF2B5EF4-FFF2-40B4-BE49-F238E27FC236}">
+                <a16:creationId xmlns:a16="http://schemas.microsoft.com/office/drawing/2014/main" xmlns="" id="{84DE6D8E-4CF9-45B3-B455-03D1CA40C431}"/>
+              </a:ext>
+            </a:extLst>
+          </p:cNvPr>
+          <p:cNvSpPr/>
+          <p:nvPr/>
+        </p:nvSpPr>
+        <p:spPr>
+          <a:xfrm>
+            <a:off x="2731594" y="149501"/>
+            <a:ext cx="6728830" cy="830997"/>
+          </a:xfrm>
+          <a:prstGeom prst="rect">
+            <a:avLst/>
+          </a:prstGeom>
+          <a:noFill/>
+        </p:spPr>
+        <p:txBody>
+          <a:bodyPr wrap="none" lIns="91440" tIns="45720" rIns="91440" bIns="45720">
+            <a:spAutoFit/>
+          </a:bodyPr>
+          <a:lstStyle/>
+          <a:p>
+            <a:pPr algn="ctr"/>
+            <a:r>
+              <a:rPr lang="en-US" sz="4800" b="1" cap="none" spc="0" dirty="0">
+                <a:ln w="6600">
+                  <a:solidFill>
+                    <a:schemeClr val="accent2"/>
+                  </a:solidFill>
+                  <a:prstDash val="solid"/>
+                </a:ln>
+                <a:solidFill>
+                  <a:srgbClr val="FFFFFF"/>
+                </a:solidFill>
+                <a:effectLst>
+                  <a:outerShdw dist="38100" dir="2700000" algn="tl" rotWithShape="0">
+                    <a:schemeClr val="accent2"/>
+                  </a:outerShdw>
+                </a:effectLst>
+                <a:latin typeface="Elephant" panose="02020904090505020303" pitchFamily="18" charset="0"/>
+              </a:rPr>
+              <a:t>Creating a Swing Program</a:t>
+            </a:r>
+          </a:p>
+        </p:txBody>
+      </p:sp>
+      <p:pic>
+        <p:nvPicPr>
+          <p:cNvPr id="5" name="Picture 4">
+            <a:extLst>
+              <a:ext uri="{FF2B5EF4-FFF2-40B4-BE49-F238E27FC236}">
+                <a16:creationId xmlns:a16="http://schemas.microsoft.com/office/drawing/2014/main" xmlns="" id="{1F3FA413-9F84-4609-B82E-F1E7DBD15E47}"/>
+              </a:ext>
+            </a:extLst>
+          </p:cNvPr>
+          <p:cNvPicPr>
+            <a:picLocks noChangeAspect="1"/>
+          </p:cNvPicPr>
+          <p:nvPr/>
+        </p:nvPicPr>
+        <p:blipFill>
+          <a:blip r:embed="rId2"/>
+          <a:stretch>
+            <a:fillRect/>
+          </a:stretch>
+        </p:blipFill>
+        <p:spPr>
+          <a:xfrm>
+            <a:off x="763856" y="1667496"/>
+            <a:ext cx="5217942" cy="4508018"/>
+          </a:xfrm>
+          <a:prstGeom prst="rect">
+            <a:avLst/>
+          </a:prstGeom>
+        </p:spPr>
+      </p:pic>
+      <p:pic>
+        <p:nvPicPr>
+          <p:cNvPr id="7" name="Picture 6">
+            <a:extLst>
+              <a:ext uri="{FF2B5EF4-FFF2-40B4-BE49-F238E27FC236}">
+                <a16:creationId xmlns:a16="http://schemas.microsoft.com/office/drawing/2014/main" xmlns="" id="{83C13F70-B6C8-4E23-8B11-03B477162A18}"/>
+              </a:ext>
+            </a:extLst>
+          </p:cNvPr>
+          <p:cNvPicPr>
+            <a:picLocks noChangeAspect="1"/>
+          </p:cNvPicPr>
+          <p:nvPr/>
+        </p:nvPicPr>
+        <p:blipFill rotWithShape="1">
+          <a:blip r:embed="rId3">
+            <a:extLst>
+              <a:ext uri="{28A0092B-C50C-407E-A947-70E740481C1C}">
+                <a14:useLocalDpi xmlns:a14="http://schemas.microsoft.com/office/drawing/2010/main" val="0"/>
+              </a:ext>
+            </a:extLst>
+          </a:blip>
+          <a:srcRect l="3261" t="2809" r="18207" b="2677"/>
+          <a:stretch/>
+        </p:blipFill>
+        <p:spPr>
+          <a:xfrm>
+            <a:off x="7693759" y="1667496"/>
+            <a:ext cx="3533331" cy="4376929"/>
+          </a:xfrm>
+          <a:prstGeom prst="rect">
+            <a:avLst/>
+          </a:prstGeom>
+        </p:spPr>
+      </p:pic>
+      <p:sp>
+        <p:nvSpPr>
+          <p:cNvPr id="8" name="Rectangle 7">
+            <a:extLst>
+              <a:ext uri="{FF2B5EF4-FFF2-40B4-BE49-F238E27FC236}">
+                <a16:creationId xmlns:a16="http://schemas.microsoft.com/office/drawing/2014/main" xmlns="" id="{6AC67BAC-9F8A-4830-9715-F6AB9E9DFF9D}"/>
+              </a:ext>
+            </a:extLst>
+          </p:cNvPr>
+          <p:cNvSpPr/>
+          <p:nvPr/>
+        </p:nvSpPr>
+        <p:spPr>
+          <a:xfrm>
+            <a:off x="2482408" y="6175514"/>
+            <a:ext cx="1157689" cy="646331"/>
+          </a:xfrm>
+          <a:prstGeom prst="rect">
+            <a:avLst/>
+          </a:prstGeom>
+          <a:noFill/>
+        </p:spPr>
+        <p:txBody>
+          <a:bodyPr wrap="none" lIns="91440" tIns="45720" rIns="91440" bIns="45720">
+            <a:spAutoFit/>
+            <a:scene3d>
+              <a:camera prst="orthographicFront"/>
+              <a:lightRig rig="harsh" dir="t"/>
+            </a:scene3d>
+            <a:sp3d extrusionH="57150" prstMaterial="matte">
+              <a:bevelT w="63500" h="12700" prst="angle"/>
+              <a:contourClr>
+                <a:schemeClr val="bg1">
+                  <a:lumMod val="65000"/>
+                </a:schemeClr>
+              </a:contourClr>
+            </a:sp3d>
+          </a:bodyPr>
+          <a:lstStyle/>
+          <a:p>
+            <a:pPr algn="ctr"/>
+            <a:r>
+              <a:rPr lang="en-US" sz="3600" b="1" dirty="0">
+                <a:ln/>
+                <a:solidFill>
+                  <a:schemeClr val="accent3"/>
+                </a:solidFill>
+                <a:latin typeface="Elephant" panose="02020904090505020303"/>
+              </a:rPr>
+              <a:t>Code</a:t>
+            </a:r>
+          </a:p>
+        </p:txBody>
+      </p:sp>
+      <p:sp>
+        <p:nvSpPr>
+          <p:cNvPr id="9" name="Rectangle 8">
+            <a:extLst>
+              <a:ext uri="{FF2B5EF4-FFF2-40B4-BE49-F238E27FC236}">
+                <a16:creationId xmlns:a16="http://schemas.microsoft.com/office/drawing/2014/main" xmlns="" id="{2C8EF13D-5020-46D1-B949-8F5CF8CB02EF}"/>
+              </a:ext>
+            </a:extLst>
+          </p:cNvPr>
+          <p:cNvSpPr/>
+          <p:nvPr/>
+        </p:nvSpPr>
+        <p:spPr>
+          <a:xfrm>
+            <a:off x="8927968" y="6085092"/>
+            <a:ext cx="1563248" cy="646331"/>
+          </a:xfrm>
+          <a:prstGeom prst="rect">
+            <a:avLst/>
+          </a:prstGeom>
+          <a:noFill/>
+        </p:spPr>
+        <p:txBody>
+          <a:bodyPr wrap="none" lIns="91440" tIns="45720" rIns="91440" bIns="45720">
+            <a:spAutoFit/>
+            <a:scene3d>
+              <a:camera prst="orthographicFront"/>
+              <a:lightRig rig="harsh" dir="t"/>
+            </a:scene3d>
+            <a:sp3d extrusionH="57150" prstMaterial="matte">
+              <a:bevelT w="63500" h="12700" prst="angle"/>
+              <a:contourClr>
+                <a:schemeClr val="bg1">
+                  <a:lumMod val="65000"/>
+                </a:schemeClr>
+              </a:contourClr>
+            </a:sp3d>
+          </a:bodyPr>
+          <a:lstStyle/>
+          <a:p>
+            <a:pPr algn="ctr"/>
+            <a:r>
+              <a:rPr lang="en-US" sz="3600" b="1" dirty="0">
+                <a:ln/>
+                <a:solidFill>
+                  <a:schemeClr val="accent3"/>
+                </a:solidFill>
+                <a:latin typeface="Elephant" panose="02020904090505020303"/>
+              </a:rPr>
+              <a:t>Output</a:t>
+            </a:r>
+          </a:p>
+        </p:txBody>
+      </p:sp>
+    </p:spTree>
+    <p:extLst>
+      <p:ext uri="{BB962C8B-B14F-4D97-AF65-F5344CB8AC3E}">
+        <p14:creationId xmlns:p14="http://schemas.microsoft.com/office/powerpoint/2010/main" val="2791814431"/>
+      </p:ext>
+    </p:extLst>
+  </p:cSld>
+  <p:clrMapOvr>
+    <a:masterClrMapping/>
+  </p:clrMapOvr>
+  <mc:AlternateContent xmlns:mc="http://schemas.openxmlformats.org/markup-compatibility/2006" xmlns:p15="http://schemas.microsoft.com/office/powerpoint/2012/main">
+    <mc:Choice Requires="p15">
+      <p:transition xmlns:p14="http://schemas.microsoft.com/office/powerpoint/2010/main" spd="slow" p14:dur="1250">
+        <p15:prstTrans prst="pageCurlDouble"/>
+      </p:transition>
+    </mc:Choice>
+    <mc:Fallback xmlns="">
+      <p:transition spd="slow">
+        <p:fade/>
+      </p:transition>
+    </mc:Fallback>
+  </mc:AlternateContent>
+  <p:timing>
+    <p:tnLst>
+      <p:par>
+        <p:cTn id="1" dur="indefinite" restart="never" nodeType="tmRoot"/>
+      </p:par>
+    </p:tnLst>
+  </p:timing>
+</p:sld>
+</file>
+
+<file path=ppt/slides/slide11.xml><?xml version="1.0" encoding="utf-8"?>
+<p:sld xmlns:a="http://schemas.openxmlformats.org/drawingml/2006/main" xmlns:r="http://schemas.openxmlformats.org/officeDocument/2006/relationships" xmlns:p="http://schemas.openxmlformats.org/presentationml/2006/main">
+  <p:cSld>
+    <p:spTree>
+      <p:nvGrpSpPr>
+        <p:cNvPr id="1" name=""/>
+        <p:cNvGrpSpPr/>
+        <p:nvPr/>
+      </p:nvGrpSpPr>
+      <p:grpSpPr>
+        <a:xfrm>
+          <a:off x="0" y="0"/>
+          <a:ext cx="0" cy="0"/>
+          <a:chOff x="0" y="0"/>
+          <a:chExt cx="0" cy="0"/>
+        </a:xfrm>
+      </p:grpSpPr>
+      <p:sp>
+        <p:nvSpPr>
+          <p:cNvPr id="4" name="Rectangle 3">
+            <a:extLst>
+              <a:ext uri="{FF2B5EF4-FFF2-40B4-BE49-F238E27FC236}">
                 <a16:creationId xmlns:a16="http://schemas.microsoft.com/office/drawing/2014/main" xmlns="" id="{32B15CD7-FEB8-4B5E-8E0D-14A8ED567639}"/>
               </a:ext>
             </a:extLst>
@@ -11115,7 +11308,7 @@
 </p:sld>
 </file>
 
-<file path=ppt/slides/slide11.xml><?xml version="1.0" encoding="utf-8"?>
+<file path=ppt/slides/slide12.xml><?xml version="1.0" encoding="utf-8"?>
 <p:sld xmlns:a="http://schemas.openxmlformats.org/drawingml/2006/main" xmlns:r="http://schemas.openxmlformats.org/officeDocument/2006/relationships" xmlns:p="http://schemas.openxmlformats.org/presentationml/2006/main">
   <p:cSld>
     <p:spTree>
@@ -11866,8 +12059,8 @@
         </p:nvSpPr>
         <p:spPr>
           <a:xfrm>
-            <a:off x="2892276" y="155864"/>
-            <a:ext cx="6407459" cy="830997"/>
+            <a:off x="2836299" y="155864"/>
+            <a:ext cx="6519413" cy="830997"/>
           </a:xfrm>
           <a:prstGeom prst="rect">
             <a:avLst/>
@@ -11899,7 +12092,47 @@
                 </a:effectLst>
                 <a:latin typeface="Elephant" panose="02020904090505020303" pitchFamily="18" charset="0"/>
               </a:rPr>
-              <a:t>Which one looks better?</a:t>
+              <a:t>Which one </a:t>
+            </a:r>
+            <a:r>
+              <a:rPr lang="en-US" sz="4800" b="1" cap="none" spc="0" dirty="0" smtClean="0">
+                <a:ln w="6600">
+                  <a:solidFill>
+                    <a:schemeClr val="accent2"/>
+                  </a:solidFill>
+                  <a:prstDash val="solid"/>
+                </a:ln>
+                <a:solidFill>
+                  <a:srgbClr val="FFFFFF"/>
+                </a:solidFill>
+                <a:effectLst>
+                  <a:outerShdw dist="38100" dir="2700000" algn="tl" rotWithShape="0">
+                    <a:schemeClr val="accent2"/>
+                  </a:outerShdw>
+                </a:effectLst>
+                <a:latin typeface="Elephant" panose="02020904090505020303" pitchFamily="18" charset="0"/>
+              </a:rPr>
+              <a:t>is </a:t>
+            </a:r>
+            <a:r>
+              <a:rPr lang="en-US" sz="4800" b="1" cap="none" spc="0" dirty="0">
+                <a:ln w="6600">
+                  <a:solidFill>
+                    <a:schemeClr val="accent2"/>
+                  </a:solidFill>
+                  <a:prstDash val="solid"/>
+                </a:ln>
+                <a:solidFill>
+                  <a:srgbClr val="FFFFFF"/>
+                </a:solidFill>
+                <a:effectLst>
+                  <a:outerShdw dist="38100" dir="2700000" algn="tl" rotWithShape="0">
+                    <a:schemeClr val="accent2"/>
+                  </a:outerShdw>
+                </a:effectLst>
+                <a:latin typeface="Elephant" panose="02020904090505020303" pitchFamily="18" charset="0"/>
+              </a:rPr>
+              <a:t>better?</a:t>
             </a:r>
           </a:p>
         </p:txBody>
@@ -12177,7 +12410,7 @@
           <p:nvPr>
             <p:extLst>
               <p:ext uri="{D42A27DB-BD31-4B8C-83A1-F6EECF244321}">
-                <p14:modId xmlns:p14="http://schemas.microsoft.com/office/powerpoint/2010/main" val="1531964023"/>
+                <p14:modId xmlns:p14="http://schemas.microsoft.com/office/powerpoint/2010/main" val="291935351"/>
               </p:ext>
             </p:extLst>
           </p:nvPr>
@@ -12277,6 +12510,124 @@
           <a:chExt cx="0" cy="0"/>
         </a:xfrm>
       </p:grpSpPr>
+      <p:pic>
+        <p:nvPicPr>
+          <p:cNvPr id="4" name="Picture 3"/>
+          <p:cNvPicPr>
+            <a:picLocks noChangeAspect="1"/>
+          </p:cNvPicPr>
+          <p:nvPr/>
+        </p:nvPicPr>
+        <p:blipFill>
+          <a:blip r:embed="rId2"/>
+          <a:stretch>
+            <a:fillRect/>
+          </a:stretch>
+        </p:blipFill>
+        <p:spPr>
+          <a:xfrm>
+            <a:off x="3889690" y="1550493"/>
+            <a:ext cx="4100919" cy="4476234"/>
+          </a:xfrm>
+          <a:prstGeom prst="rect">
+            <a:avLst/>
+          </a:prstGeom>
+        </p:spPr>
+      </p:pic>
+      <p:sp>
+        <p:nvSpPr>
+          <p:cNvPr id="5" name="Rectangle 4">
+            <a:extLst>
+              <a:ext uri="{FF2B5EF4-FFF2-40B4-BE49-F238E27FC236}">
+                <a16:creationId xmlns:a16="http://schemas.microsoft.com/office/drawing/2014/main" xmlns="" id="{F9B3427B-3B40-422B-9391-483CBAAF62B5}"/>
+              </a:ext>
+            </a:extLst>
+          </p:cNvPr>
+          <p:cNvSpPr/>
+          <p:nvPr/>
+        </p:nvSpPr>
+        <p:spPr>
+          <a:xfrm>
+            <a:off x="3889690" y="109745"/>
+            <a:ext cx="4100919" cy="830997"/>
+          </a:xfrm>
+          <a:prstGeom prst="rect">
+            <a:avLst/>
+          </a:prstGeom>
+          <a:noFill/>
+        </p:spPr>
+        <p:txBody>
+          <a:bodyPr wrap="square" lIns="91440" tIns="45720" rIns="91440" bIns="45720">
+            <a:spAutoFit/>
+          </a:bodyPr>
+          <a:lstStyle/>
+          <a:p>
+            <a:pPr algn="ctr"/>
+            <a:r>
+              <a:rPr lang="en-US" sz="4800" b="1" cap="none" spc="0" dirty="0">
+                <a:ln w="6600">
+                  <a:solidFill>
+                    <a:schemeClr val="accent2"/>
+                  </a:solidFill>
+                  <a:prstDash val="solid"/>
+                </a:ln>
+                <a:solidFill>
+                  <a:srgbClr val="FFFFFF"/>
+                </a:solidFill>
+                <a:effectLst>
+                  <a:outerShdw dist="38100" dir="2700000" algn="tl" rotWithShape="0">
+                    <a:schemeClr val="accent2"/>
+                  </a:outerShdw>
+                </a:effectLst>
+                <a:latin typeface="Elephant" panose="02020904090505020303" pitchFamily="18" charset="0"/>
+              </a:rPr>
+              <a:t>Java Swing</a:t>
+            </a:r>
+          </a:p>
+        </p:txBody>
+      </p:sp>
+    </p:spTree>
+    <p:extLst>
+      <p:ext uri="{BB962C8B-B14F-4D97-AF65-F5344CB8AC3E}">
+        <p14:creationId xmlns:p14="http://schemas.microsoft.com/office/powerpoint/2010/main" val="2626551548"/>
+      </p:ext>
+    </p:extLst>
+  </p:cSld>
+  <p:clrMapOvr>
+    <a:masterClrMapping/>
+  </p:clrMapOvr>
+  <mc:AlternateContent xmlns:mc="http://schemas.openxmlformats.org/markup-compatibility/2006" xmlns:p15="http://schemas.microsoft.com/office/powerpoint/2012/main">
+    <mc:Choice Requires="p15">
+      <p:transition xmlns:p14="http://schemas.microsoft.com/office/powerpoint/2010/main" spd="slow" p14:dur="1250">
+        <p15:prstTrans prst="pageCurlDouble"/>
+      </p:transition>
+    </mc:Choice>
+    <mc:Fallback xmlns="">
+      <p:transition spd="slow">
+        <p:fade/>
+      </p:transition>
+    </mc:Fallback>
+  </mc:AlternateContent>
+</p:sld>
+</file>
+
+<file path=ppt/slides/slide7.xml><?xml version="1.0" encoding="utf-8"?>
+<p:sld xmlns:a="http://schemas.openxmlformats.org/drawingml/2006/main" xmlns:r="http://schemas.openxmlformats.org/officeDocument/2006/relationships" xmlns:p="http://schemas.openxmlformats.org/presentationml/2006/main">
+  <p:cSld>
+    <p:spTree>
+      <p:nvGrpSpPr>
+        <p:cNvPr id="1" name=""/>
+        <p:cNvGrpSpPr/>
+        <p:nvPr/>
+      </p:nvGrpSpPr>
+      <p:grpSpPr>
+        <a:xfrm>
+          <a:off x="0" y="0"/>
+          <a:ext cx="0" cy="0"/>
+          <a:chOff x="0" y="0"/>
+          <a:chExt cx="0" cy="0"/>
+        </a:xfrm>
+      </p:grpSpPr>
       <p:sp>
         <p:nvSpPr>
           <p:cNvPr id="4" name="Rectangle 3">
@@ -12610,7 +12961,7 @@
 </p:sld>
 </file>
 
-<file path=ppt/slides/slide7.xml><?xml version="1.0" encoding="utf-8"?>
+<file path=ppt/slides/slide8.xml><?xml version="1.0" encoding="utf-8"?>
 <p:sld xmlns:a="http://schemas.openxmlformats.org/drawingml/2006/main" xmlns:r="http://schemas.openxmlformats.org/officeDocument/2006/relationships" xmlns:p="http://schemas.openxmlformats.org/presentationml/2006/main">
   <p:cSld>
     <p:spTree>
@@ -12948,7 +13299,7 @@
 </p:sld>
 </file>
 
-<file path=ppt/slides/slide8.xml><?xml version="1.0" encoding="utf-8"?>
+<file path=ppt/slides/slide9.xml><?xml version="1.0" encoding="utf-8"?>
 <p:sld xmlns:a="http://schemas.openxmlformats.org/drawingml/2006/main" xmlns:r="http://schemas.openxmlformats.org/officeDocument/2006/relationships" xmlns:p="http://schemas.openxmlformats.org/presentationml/2006/main">
   <p:cSld>
     <p:spTree>
@@ -13486,280 +13837,6 @@
     <p:extLst>
       <p:ext uri="{BB962C8B-B14F-4D97-AF65-F5344CB8AC3E}">
         <p14:creationId xmlns:p14="http://schemas.microsoft.com/office/powerpoint/2010/main" val="3994794435"/>
-      </p:ext>
-    </p:extLst>
-  </p:cSld>
-  <p:clrMapOvr>
-    <a:masterClrMapping/>
-  </p:clrMapOvr>
-  <mc:AlternateContent xmlns:mc="http://schemas.openxmlformats.org/markup-compatibility/2006" xmlns:p15="http://schemas.microsoft.com/office/powerpoint/2012/main">
-    <mc:Choice Requires="p15">
-      <p:transition xmlns:p14="http://schemas.microsoft.com/office/powerpoint/2010/main" spd="slow" p14:dur="1250">
-        <p15:prstTrans prst="pageCurlDouble"/>
-      </p:transition>
-    </mc:Choice>
-    <mc:Fallback xmlns="">
-      <p:transition spd="slow">
-        <p:fade/>
-      </p:transition>
-    </mc:Fallback>
-  </mc:AlternateContent>
-  <p:timing>
-    <p:tnLst>
-      <p:par>
-        <p:cTn id="1" dur="indefinite" restart="never" nodeType="tmRoot"/>
-      </p:par>
-    </p:tnLst>
-  </p:timing>
-</p:sld>
-</file>
-
-<file path=ppt/slides/slide9.xml><?xml version="1.0" encoding="utf-8"?>
-<p:sld xmlns:a="http://schemas.openxmlformats.org/drawingml/2006/main" xmlns:r="http://schemas.openxmlformats.org/officeDocument/2006/relationships" xmlns:p="http://schemas.openxmlformats.org/presentationml/2006/main">
-  <p:cSld>
-    <p:spTree>
-      <p:nvGrpSpPr>
-        <p:cNvPr id="1" name=""/>
-        <p:cNvGrpSpPr/>
-        <p:nvPr/>
-      </p:nvGrpSpPr>
-      <p:grpSpPr>
-        <a:xfrm>
-          <a:off x="0" y="0"/>
-          <a:ext cx="0" cy="0"/>
-          <a:chOff x="0" y="0"/>
-          <a:chExt cx="0" cy="0"/>
-        </a:xfrm>
-      </p:grpSpPr>
-      <p:sp>
-        <p:nvSpPr>
-          <p:cNvPr id="4" name="Rectangle 3">
-            <a:extLst>
-              <a:ext uri="{FF2B5EF4-FFF2-40B4-BE49-F238E27FC236}">
-                <a16:creationId xmlns:a16="http://schemas.microsoft.com/office/drawing/2014/main" xmlns="" id="{84DE6D8E-4CF9-45B3-B455-03D1CA40C431}"/>
-              </a:ext>
-            </a:extLst>
-          </p:cNvPr>
-          <p:cNvSpPr/>
-          <p:nvPr/>
-        </p:nvSpPr>
-        <p:spPr>
-          <a:xfrm>
-            <a:off x="2731594" y="149501"/>
-            <a:ext cx="6728830" cy="830997"/>
-          </a:xfrm>
-          <a:prstGeom prst="rect">
-            <a:avLst/>
-          </a:prstGeom>
-          <a:noFill/>
-        </p:spPr>
-        <p:txBody>
-          <a:bodyPr wrap="none" lIns="91440" tIns="45720" rIns="91440" bIns="45720">
-            <a:spAutoFit/>
-          </a:bodyPr>
-          <a:lstStyle/>
-          <a:p>
-            <a:pPr algn="ctr"/>
-            <a:r>
-              <a:rPr lang="en-US" sz="4800" b="1" cap="none" spc="0" dirty="0">
-                <a:ln w="6600">
-                  <a:solidFill>
-                    <a:schemeClr val="accent2"/>
-                  </a:solidFill>
-                  <a:prstDash val="solid"/>
-                </a:ln>
-                <a:solidFill>
-                  <a:srgbClr val="FFFFFF"/>
-                </a:solidFill>
-                <a:effectLst>
-                  <a:outerShdw dist="38100" dir="2700000" algn="tl" rotWithShape="0">
-                    <a:schemeClr val="accent2"/>
-                  </a:outerShdw>
-                </a:effectLst>
-                <a:latin typeface="Elephant" panose="02020904090505020303" pitchFamily="18" charset="0"/>
-              </a:rPr>
-              <a:t>Creating a Swing Program</a:t>
-            </a:r>
-          </a:p>
-        </p:txBody>
-      </p:sp>
-      <p:pic>
-        <p:nvPicPr>
-          <p:cNvPr id="5" name="Picture 4">
-            <a:extLst>
-              <a:ext uri="{FF2B5EF4-FFF2-40B4-BE49-F238E27FC236}">
-                <a16:creationId xmlns:a16="http://schemas.microsoft.com/office/drawing/2014/main" xmlns="" id="{1F3FA413-9F84-4609-B82E-F1E7DBD15E47}"/>
-              </a:ext>
-            </a:extLst>
-          </p:cNvPr>
-          <p:cNvPicPr>
-            <a:picLocks noChangeAspect="1"/>
-          </p:cNvPicPr>
-          <p:nvPr/>
-        </p:nvPicPr>
-        <p:blipFill>
-          <a:blip r:embed="rId2"/>
-          <a:stretch>
-            <a:fillRect/>
-          </a:stretch>
-        </p:blipFill>
-        <p:spPr>
-          <a:xfrm>
-            <a:off x="763856" y="1667496"/>
-            <a:ext cx="5217942" cy="4508018"/>
-          </a:xfrm>
-          <a:prstGeom prst="rect">
-            <a:avLst/>
-          </a:prstGeom>
-        </p:spPr>
-      </p:pic>
-      <p:pic>
-        <p:nvPicPr>
-          <p:cNvPr id="7" name="Picture 6">
-            <a:extLst>
-              <a:ext uri="{FF2B5EF4-FFF2-40B4-BE49-F238E27FC236}">
-                <a16:creationId xmlns:a16="http://schemas.microsoft.com/office/drawing/2014/main" xmlns="" id="{83C13F70-B6C8-4E23-8B11-03B477162A18}"/>
-              </a:ext>
-            </a:extLst>
-          </p:cNvPr>
-          <p:cNvPicPr>
-            <a:picLocks noChangeAspect="1"/>
-          </p:cNvPicPr>
-          <p:nvPr/>
-        </p:nvPicPr>
-        <p:blipFill rotWithShape="1">
-          <a:blip r:embed="rId3">
-            <a:extLst>
-              <a:ext uri="{28A0092B-C50C-407E-A947-70E740481C1C}">
-                <a14:useLocalDpi xmlns:a14="http://schemas.microsoft.com/office/drawing/2010/main" val="0"/>
-              </a:ext>
-            </a:extLst>
-          </a:blip>
-          <a:srcRect l="3261" t="2809" r="18207" b="2677"/>
-          <a:stretch/>
-        </p:blipFill>
-        <p:spPr>
-          <a:xfrm>
-            <a:off x="7693759" y="1667496"/>
-            <a:ext cx="3533331" cy="4376929"/>
-          </a:xfrm>
-          <a:prstGeom prst="rect">
-            <a:avLst/>
-          </a:prstGeom>
-        </p:spPr>
-      </p:pic>
-      <p:sp>
-        <p:nvSpPr>
-          <p:cNvPr id="8" name="Rectangle 7">
-            <a:extLst>
-              <a:ext uri="{FF2B5EF4-FFF2-40B4-BE49-F238E27FC236}">
-                <a16:creationId xmlns:a16="http://schemas.microsoft.com/office/drawing/2014/main" xmlns="" id="{6AC67BAC-9F8A-4830-9715-F6AB9E9DFF9D}"/>
-              </a:ext>
-            </a:extLst>
-          </p:cNvPr>
-          <p:cNvSpPr/>
-          <p:nvPr/>
-        </p:nvSpPr>
-        <p:spPr>
-          <a:xfrm>
-            <a:off x="2482408" y="6175514"/>
-            <a:ext cx="1157689" cy="646331"/>
-          </a:xfrm>
-          <a:prstGeom prst="rect">
-            <a:avLst/>
-          </a:prstGeom>
-          <a:noFill/>
-        </p:spPr>
-        <p:txBody>
-          <a:bodyPr wrap="none" lIns="91440" tIns="45720" rIns="91440" bIns="45720">
-            <a:spAutoFit/>
-            <a:scene3d>
-              <a:camera prst="orthographicFront"/>
-              <a:lightRig rig="harsh" dir="t"/>
-            </a:scene3d>
-            <a:sp3d extrusionH="57150" prstMaterial="matte">
-              <a:bevelT w="63500" h="12700" prst="angle"/>
-              <a:contourClr>
-                <a:schemeClr val="bg1">
-                  <a:lumMod val="65000"/>
-                </a:schemeClr>
-              </a:contourClr>
-            </a:sp3d>
-          </a:bodyPr>
-          <a:lstStyle/>
-          <a:p>
-            <a:pPr algn="ctr"/>
-            <a:r>
-              <a:rPr lang="en-US" sz="3600" b="1" dirty="0">
-                <a:ln/>
-                <a:solidFill>
-                  <a:schemeClr val="accent3"/>
-                </a:solidFill>
-                <a:latin typeface="Elephant" panose="02020904090505020303"/>
-              </a:rPr>
-              <a:t>Code</a:t>
-            </a:r>
-          </a:p>
-        </p:txBody>
-      </p:sp>
-      <p:sp>
-        <p:nvSpPr>
-          <p:cNvPr id="9" name="Rectangle 8">
-            <a:extLst>
-              <a:ext uri="{FF2B5EF4-FFF2-40B4-BE49-F238E27FC236}">
-                <a16:creationId xmlns:a16="http://schemas.microsoft.com/office/drawing/2014/main" xmlns="" id="{2C8EF13D-5020-46D1-B949-8F5CF8CB02EF}"/>
-              </a:ext>
-            </a:extLst>
-          </p:cNvPr>
-          <p:cNvSpPr/>
-          <p:nvPr/>
-        </p:nvSpPr>
-        <p:spPr>
-          <a:xfrm>
-            <a:off x="8927968" y="6085092"/>
-            <a:ext cx="1563248" cy="646331"/>
-          </a:xfrm>
-          <a:prstGeom prst="rect">
-            <a:avLst/>
-          </a:prstGeom>
-          <a:noFill/>
-        </p:spPr>
-        <p:txBody>
-          <a:bodyPr wrap="none" lIns="91440" tIns="45720" rIns="91440" bIns="45720">
-            <a:spAutoFit/>
-            <a:scene3d>
-              <a:camera prst="orthographicFront"/>
-              <a:lightRig rig="harsh" dir="t"/>
-            </a:scene3d>
-            <a:sp3d extrusionH="57150" prstMaterial="matte">
-              <a:bevelT w="63500" h="12700" prst="angle"/>
-              <a:contourClr>
-                <a:schemeClr val="bg1">
-                  <a:lumMod val="65000"/>
-                </a:schemeClr>
-              </a:contourClr>
-            </a:sp3d>
-          </a:bodyPr>
-          <a:lstStyle/>
-          <a:p>
-            <a:pPr algn="ctr"/>
-            <a:r>
-              <a:rPr lang="en-US" sz="3600" b="1" dirty="0">
-                <a:ln/>
-                <a:solidFill>
-                  <a:schemeClr val="accent3"/>
-                </a:solidFill>
-                <a:latin typeface="Elephant" panose="02020904090505020303"/>
-              </a:rPr>
-              <a:t>Output</a:t>
-            </a:r>
-          </a:p>
-        </p:txBody>
-      </p:sp>
-    </p:spTree>
-    <p:extLst>
-      <p:ext uri="{BB962C8B-B14F-4D97-AF65-F5344CB8AC3E}">
-        <p14:creationId xmlns:p14="http://schemas.microsoft.com/office/powerpoint/2010/main" val="2791814431"/>
       </p:ext>
     </p:extLst>
   </p:cSld>
